--- a/kaufland_wine_usecase.pptx
+++ b/kaufland_wine_usecase.pptx
@@ -958,7 +958,7 @@
                 <a:schemeClr val="tx1"/>
               </a:solidFill>
             </a:rPr>
-            <a:t>The quality of the red wine assortment needs to be further improved</a:t>
+            <a:t>The quality of the red wine assortment needs to be further improved, but there is no clear definition of what a good wine is</a:t>
           </a:r>
           <a:endParaRPr lang="en-US" sz="1500" dirty="0">
             <a:solidFill>
@@ -1406,7 +1406,23 @@
                 <a:schemeClr val="tx1"/>
               </a:solidFill>
             </a:rPr>
-            <a:t>Understand and define what constitute a good red wine (using wine rating as benchmark)</a:t>
+            <a:t>Understand and define what </a:t>
+          </a:r>
+          <a:r>
+            <a:rPr lang="en-US" sz="1500" dirty="0" smtClean="0">
+              <a:solidFill>
+                <a:schemeClr val="tx1"/>
+              </a:solidFill>
+            </a:rPr>
+            <a:t>constitutes </a:t>
+          </a:r>
+          <a:r>
+            <a:rPr lang="en-US" sz="1500" dirty="0" smtClean="0">
+              <a:solidFill>
+                <a:schemeClr val="tx1"/>
+              </a:solidFill>
+            </a:rPr>
+            <a:t>a good red wine (using wine rating as benchmark)</a:t>
           </a:r>
           <a:endParaRPr lang="en-US" sz="1500" dirty="0">
             <a:solidFill>
@@ -1662,6 +1678,48 @@
         </a:p>
       </dgm:t>
     </dgm:pt>
+    <dgm:pt modelId="{724FDC05-E708-48B4-A82F-4DFC01F76A0F}">
+      <dgm:prSet phldrT="[Text]" custT="1"/>
+      <dgm:spPr>
+        <a:solidFill>
+          <a:schemeClr val="bg1">
+            <a:alpha val="70000"/>
+          </a:schemeClr>
+        </a:solidFill>
+        <a:ln>
+          <a:solidFill>
+            <a:srgbClr val="C00000"/>
+          </a:solidFill>
+        </a:ln>
+      </dgm:spPr>
+      <dgm:t>
+        <a:bodyPr/>
+        <a:lstStyle/>
+        <a:p>
+          <a:r>
+            <a:rPr lang="en-US" sz="1500" dirty="0" smtClean="0">
+              <a:solidFill>
+                <a:schemeClr val="tx1"/>
+              </a:solidFill>
+            </a:rPr>
+            <a:t>Build an API for model consumption</a:t>
+          </a:r>
+          <a:endParaRPr lang="en-US" sz="1500" dirty="0">
+            <a:solidFill>
+              <a:schemeClr val="tx1"/>
+            </a:solidFill>
+          </a:endParaRPr>
+        </a:p>
+      </dgm:t>
+    </dgm:pt>
+    <dgm:pt modelId="{348BBD4E-5043-4E57-844F-DB53ADA7A617}" type="parTrans" cxnId="{D331144E-C971-44D5-A240-3B17BB597852}">
+      <dgm:prSet/>
+      <dgm:spPr/>
+    </dgm:pt>
+    <dgm:pt modelId="{79143235-060C-4C1B-8A93-8D23E5A95AFC}" type="sibTrans" cxnId="{D331144E-C971-44D5-A240-3B17BB597852}">
+      <dgm:prSet/>
+      <dgm:spPr/>
+    </dgm:pt>
     <dgm:pt modelId="{78172C13-EFB6-43E6-BAE2-A4E0D6206A9B}" type="pres">
       <dgm:prSet presAssocID="{3FA486C0-10C6-461F-A3C1-28B47DDA02E5}" presName="linear" presStyleCnt="0">
         <dgm:presLayoutVars>
@@ -1703,6 +1761,13 @@
           </a:stretch>
         </a:blipFill>
       </dgm:spPr>
+      <dgm:t>
+        <a:bodyPr/>
+        <a:lstStyle/>
+        <a:p>
+          <a:endParaRPr lang="en-US"/>
+        </a:p>
+      </dgm:t>
     </dgm:pt>
     <dgm:pt modelId="{AFA136B0-0B84-4D4C-B76A-93B47DDEA89F}" type="pres">
       <dgm:prSet presAssocID="{3A37EEFF-A64A-475A-AD96-ABB1F25E3FF2}" presName="text" presStyleLbl="node1" presStyleIdx="0" presStyleCnt="4">
@@ -1800,6 +1865,13 @@
           </a:stretch>
         </a:blipFill>
       </dgm:spPr>
+      <dgm:t>
+        <a:bodyPr/>
+        <a:lstStyle/>
+        <a:p>
+          <a:endParaRPr lang="en-US"/>
+        </a:p>
+      </dgm:t>
     </dgm:pt>
     <dgm:pt modelId="{0DD8F44A-D5A9-4154-B5A1-15CB670BAC15}" type="pres">
       <dgm:prSet presAssocID="{62BAFB21-05A7-47FE-9E77-167ED457EEB3}" presName="text" presStyleLbl="node1" presStyleIdx="2" presStyleCnt="4">
@@ -1825,7 +1897,7 @@
       <dgm:spPr/>
     </dgm:pt>
     <dgm:pt modelId="{23CCB612-C227-4CFE-9198-9063DB7EE17A}" type="pres">
-      <dgm:prSet presAssocID="{05C60CD2-0376-4F7D-B3FB-1460F1A11E10}" presName="box" presStyleLbl="node1" presStyleIdx="3" presStyleCnt="4" custScaleY="155733"/>
+      <dgm:prSet presAssocID="{05C60CD2-0376-4F7D-B3FB-1460F1A11E10}" presName="box" presStyleLbl="node1" presStyleIdx="3" presStyleCnt="4" custScaleY="178974"/>
       <dgm:spPr/>
       <dgm:t>
         <a:bodyPr/>
@@ -1845,6 +1917,13 @@
           </a:stretch>
         </a:blipFill>
       </dgm:spPr>
+      <dgm:t>
+        <a:bodyPr/>
+        <a:lstStyle/>
+        <a:p>
+          <a:endParaRPr lang="en-US"/>
+        </a:p>
+      </dgm:t>
     </dgm:pt>
     <dgm:pt modelId="{698A649F-C86F-4366-BBC3-324DFD2E0BBA}" type="pres">
       <dgm:prSet presAssocID="{05C60CD2-0376-4F7D-B3FB-1460F1A11E10}" presName="text" presStyleLbl="node1" presStyleIdx="3" presStyleCnt="4">
@@ -1884,6 +1963,7 @@
     <dgm:cxn modelId="{6726E619-F402-4765-951E-FA517EFF5452}" type="presOf" srcId="{21BAFF1A-94E7-43C5-9A8C-22A41104EB33}" destId="{7F758704-9051-4051-89B1-014768869F72}" srcOrd="1" destOrd="0" presId="urn:microsoft.com/office/officeart/2005/8/layout/vList4"/>
     <dgm:cxn modelId="{6DA7FEF8-073D-492E-ADEC-5C2B9E4A8A28}" type="presOf" srcId="{4289CE82-2F19-43B5-B2A6-27AE032D41F4}" destId="{23CCB612-C227-4CFE-9198-9063DB7EE17A}" srcOrd="0" destOrd="3" presId="urn:microsoft.com/office/officeart/2005/8/layout/vList4"/>
     <dgm:cxn modelId="{3DCB69AD-F9FD-4C39-BECB-99139BA4B75E}" srcId="{05C60CD2-0376-4F7D-B3FB-1460F1A11E10}" destId="{C145341F-0911-414C-9A2F-E1C38E2B84E8}" srcOrd="0" destOrd="0" parTransId="{8B0A17D2-374F-41AC-97EC-B6B103D46796}" sibTransId="{3CBA0FD8-1569-4146-8417-05363E747A17}"/>
+    <dgm:cxn modelId="{C9D49121-B4B6-4751-A858-6E21473F3F1D}" type="presOf" srcId="{724FDC05-E708-48B4-A82F-4DFC01F76A0F}" destId="{23CCB612-C227-4CFE-9198-9063DB7EE17A}" srcOrd="0" destOrd="5" presId="urn:microsoft.com/office/officeart/2005/8/layout/vList4"/>
     <dgm:cxn modelId="{A2D04218-8902-4A9E-87AA-348C55FFACBE}" srcId="{3FA486C0-10C6-461F-A3C1-28B47DDA02E5}" destId="{62BAFB21-05A7-47FE-9E77-167ED457EEB3}" srcOrd="2" destOrd="0" parTransId="{2C95F941-E230-4894-8208-5EBA789A16C5}" sibTransId="{7694E2CB-1489-4678-8B43-8C7FE963208C}"/>
     <dgm:cxn modelId="{5D8EF5DC-7881-4847-B4F5-8F3D1E2F6BC6}" srcId="{3FA486C0-10C6-461F-A3C1-28B47DDA02E5}" destId="{3A37EEFF-A64A-475A-AD96-ABB1F25E3FF2}" srcOrd="0" destOrd="0" parTransId="{D30000AD-AE47-4090-AADD-4AED6C011DB6}" sibTransId="{8D6A230B-00E2-4A7A-B2FB-7CA3A11270B6}"/>
     <dgm:cxn modelId="{6BB1E894-2147-49E6-9120-342F84A8D9D6}" type="presOf" srcId="{F34CA140-A649-4FAE-8376-F8EAFD81583B}" destId="{0DD8F44A-D5A9-4154-B5A1-15CB670BAC15}" srcOrd="1" destOrd="1" presId="urn:microsoft.com/office/officeart/2005/8/layout/vList4"/>
@@ -1893,7 +1973,9 @@
     <dgm:cxn modelId="{E6F30CE3-AD95-46A3-B462-F17F59F502CF}" type="presOf" srcId="{EFD00856-6682-4759-8217-CAE7C1EF1B80}" destId="{AFA136B0-0B84-4D4C-B76A-93B47DDEA89F}" srcOrd="1" destOrd="1" presId="urn:microsoft.com/office/officeart/2005/8/layout/vList4"/>
     <dgm:cxn modelId="{822E7648-07E7-4628-ACC8-A9A9744DEC86}" srcId="{62BAFB21-05A7-47FE-9E77-167ED457EEB3}" destId="{F34CA140-A649-4FAE-8376-F8EAFD81583B}" srcOrd="0" destOrd="0" parTransId="{23FD151D-12AB-4DAD-826B-A859099DD567}" sibTransId="{33AC88B6-4BDC-497F-B176-54608E0DF515}"/>
     <dgm:cxn modelId="{9E7EF1EA-3D1D-4CDA-919A-7499D1BCB52C}" type="presOf" srcId="{21BAFF1A-94E7-43C5-9A8C-22A41104EB33}" destId="{D1E174A4-5E40-4DB4-B10E-65F1DED00AE1}" srcOrd="0" destOrd="0" presId="urn:microsoft.com/office/officeart/2005/8/layout/vList4"/>
+    <dgm:cxn modelId="{D331144E-C971-44D5-A240-3B17BB597852}" srcId="{05C60CD2-0376-4F7D-B3FB-1460F1A11E10}" destId="{724FDC05-E708-48B4-A82F-4DFC01F76A0F}" srcOrd="4" destOrd="0" parTransId="{348BBD4E-5043-4E57-844F-DB53ADA7A617}" sibTransId="{79143235-060C-4C1B-8A93-8D23E5A95AFC}"/>
     <dgm:cxn modelId="{E8604E85-C1E8-43B2-95E0-B2AB38DD4989}" srcId="{3FA486C0-10C6-461F-A3C1-28B47DDA02E5}" destId="{05C60CD2-0376-4F7D-B3FB-1460F1A11E10}" srcOrd="3" destOrd="0" parTransId="{44C9DCA6-942E-4C27-B1AE-B3FF1A4989DA}" sibTransId="{E3616CE2-5FE6-4711-B8E8-034D6A8620B3}"/>
+    <dgm:cxn modelId="{F499EE7F-DA16-477B-9312-3E0001C9E2FB}" type="presOf" srcId="{724FDC05-E708-48B4-A82F-4DFC01F76A0F}" destId="{698A649F-C86F-4366-BBC3-324DFD2E0BBA}" srcOrd="1" destOrd="5" presId="urn:microsoft.com/office/officeart/2005/8/layout/vList4"/>
     <dgm:cxn modelId="{DB6B72A3-3171-4890-8C3D-86B59608FBD0}" type="presOf" srcId="{29646A9F-BDCB-4FD0-8FAA-E5C086E64709}" destId="{D1E174A4-5E40-4DB4-B10E-65F1DED00AE1}" srcOrd="0" destOrd="2" presId="urn:microsoft.com/office/officeart/2005/8/layout/vList4"/>
     <dgm:cxn modelId="{FF2DA83A-4509-4BBE-919C-3C9F794265D7}" srcId="{05C60CD2-0376-4F7D-B3FB-1460F1A11E10}" destId="{008E6A25-8258-4999-A8F2-0845D8DF47D0}" srcOrd="1" destOrd="0" parTransId="{0600F17B-1D58-479F-B1FB-DA3D01F82722}" sibTransId="{F420E06F-CAD2-412E-9F91-CE85D761D673}"/>
     <dgm:cxn modelId="{CF36C8A3-03A5-4867-94DF-D12E7EAE8F6A}" srcId="{3A37EEFF-A64A-475A-AD96-ABB1F25E3FF2}" destId="{EFD00856-6682-4759-8217-CAE7C1EF1B80}" srcOrd="0" destOrd="0" parTransId="{C9CDAF0D-DFF4-4311-B751-D238540A2A28}" sibTransId="{41EB5F36-3A91-4977-BE93-2837D89B716C}"/>
@@ -1952,7 +2034,7 @@
       <dsp:spPr>
         <a:xfrm>
           <a:off x="0" y="0"/>
-          <a:ext cx="10962589" cy="1036989"/>
+          <a:ext cx="10962589" cy="991790"/>
         </a:xfrm>
         <a:prstGeom prst="roundRect">
           <a:avLst>
@@ -2037,7 +2119,7 @@
                 <a:schemeClr val="tx1"/>
               </a:solidFill>
             </a:rPr>
-            <a:t>The quality of the red wine assortment needs to be further improved</a:t>
+            <a:t>The quality of the red wine assortment needs to be further improved, but there is no clear definition of what a good wine is</a:t>
           </a:r>
           <a:endParaRPr lang="en-US" sz="1500" kern="1200" dirty="0">
             <a:solidFill>
@@ -2047,8 +2129,8 @@
         </a:p>
       </dsp:txBody>
       <dsp:txXfrm>
-        <a:off x="2296216" y="0"/>
-        <a:ext cx="8666372" cy="1036989"/>
+        <a:off x="2291696" y="0"/>
+        <a:ext cx="8670892" cy="991790"/>
       </dsp:txXfrm>
     </dsp:sp>
     <dsp:sp modelId="{F8158784-B72D-466C-A96B-7877D9B1F3D1}">
@@ -2058,8 +2140,8 @@
       </dsp:nvSpPr>
       <dsp:spPr>
         <a:xfrm>
-          <a:off x="210551" y="60506"/>
-          <a:ext cx="1188717" cy="846573"/>
+          <a:off x="206031" y="57868"/>
+          <a:ext cx="1188717" cy="809673"/>
         </a:xfrm>
         <a:prstGeom prst="roundRect">
           <a:avLst>
@@ -2106,8 +2188,8 @@
       </dsp:nvSpPr>
       <dsp:spPr>
         <a:xfrm>
-          <a:off x="0" y="1140688"/>
-          <a:ext cx="10962589" cy="1036989"/>
+          <a:off x="0" y="1090969"/>
+          <a:ext cx="10962589" cy="991790"/>
         </a:xfrm>
         <a:prstGeom prst="roundRect">
           <a:avLst>
@@ -2192,7 +2274,23 @@
                 <a:schemeClr val="tx1"/>
               </a:solidFill>
             </a:rPr>
-            <a:t>Understand and define what constitute a good red wine (using wine rating as benchmark)</a:t>
+            <a:t>Understand and define what </a:t>
+          </a:r>
+          <a:r>
+            <a:rPr lang="en-US" sz="1500" kern="1200" dirty="0" smtClean="0">
+              <a:solidFill>
+                <a:schemeClr val="tx1"/>
+              </a:solidFill>
+            </a:rPr>
+            <a:t>constitutes </a:t>
+          </a:r>
+          <a:r>
+            <a:rPr lang="en-US" sz="1500" kern="1200" dirty="0" smtClean="0">
+              <a:solidFill>
+                <a:schemeClr val="tx1"/>
+              </a:solidFill>
+            </a:rPr>
+            <a:t>a good red wine (using wine rating as benchmark)</a:t>
           </a:r>
           <a:endParaRPr lang="en-US" sz="1500" kern="1200" dirty="0">
             <a:solidFill>
@@ -2229,8 +2327,8 @@
         </a:p>
       </dsp:txBody>
       <dsp:txXfrm>
-        <a:off x="2296216" y="1140688"/>
-        <a:ext cx="8666372" cy="1036989"/>
+        <a:off x="2291696" y="1090969"/>
+        <a:ext cx="8670892" cy="991790"/>
       </dsp:txXfrm>
     </dsp:sp>
     <dsp:sp modelId="{B10DCF14-5612-4656-9359-275A02287174}">
@@ -2240,8 +2338,8 @@
       </dsp:nvSpPr>
       <dsp:spPr>
         <a:xfrm>
-          <a:off x="189327" y="1228272"/>
-          <a:ext cx="1188717" cy="846573"/>
+          <a:off x="184807" y="1174736"/>
+          <a:ext cx="1188717" cy="809673"/>
         </a:xfrm>
         <a:prstGeom prst="roundRect">
           <a:avLst>
@@ -2288,8 +2386,8 @@
       </dsp:nvSpPr>
       <dsp:spPr>
         <a:xfrm>
-          <a:off x="0" y="2281376"/>
-          <a:ext cx="10962589" cy="1289247"/>
+          <a:off x="0" y="2181938"/>
+          <a:ext cx="10962589" cy="1233053"/>
         </a:xfrm>
         <a:prstGeom prst="roundRect">
           <a:avLst>
@@ -2438,8 +2536,8 @@
         </a:p>
       </dsp:txBody>
       <dsp:txXfrm>
-        <a:off x="2296216" y="2281376"/>
-        <a:ext cx="8666372" cy="1289247"/>
+        <a:off x="2291696" y="2181938"/>
+        <a:ext cx="8670892" cy="1233053"/>
       </dsp:txXfrm>
     </dsp:sp>
     <dsp:sp modelId="{3E194956-90C4-4AD1-8F4F-32C5713E6C6E}">
@@ -2449,8 +2547,8 @@
       </dsp:nvSpPr>
       <dsp:spPr>
         <a:xfrm>
-          <a:off x="198097" y="2496275"/>
-          <a:ext cx="1188717" cy="846573"/>
+          <a:off x="193577" y="2387471"/>
+          <a:ext cx="1188717" cy="809673"/>
         </a:xfrm>
         <a:prstGeom prst="roundRect">
           <a:avLst>
@@ -2497,8 +2595,8 @@
       </dsp:nvSpPr>
       <dsp:spPr>
         <a:xfrm>
-          <a:off x="0" y="3674322"/>
-          <a:ext cx="10962589" cy="1614934"/>
+          <a:off x="0" y="3514171"/>
+          <a:ext cx="10962589" cy="1775047"/>
         </a:xfrm>
         <a:prstGeom prst="roundRect">
           <a:avLst>
@@ -2672,10 +2770,37 @@
             </a:solidFill>
           </a:endParaRPr>
         </a:p>
+        <a:p>
+          <a:pPr marL="114300" lvl="1" indent="-114300" algn="l" defTabSz="666750">
+            <a:lnSpc>
+              <a:spcPct val="90000"/>
+            </a:lnSpc>
+            <a:spcBef>
+              <a:spcPct val="0"/>
+            </a:spcBef>
+            <a:spcAft>
+              <a:spcPct val="15000"/>
+            </a:spcAft>
+            <a:buChar char="••"/>
+          </a:pPr>
+          <a:r>
+            <a:rPr lang="en-US" sz="1500" kern="1200" dirty="0" smtClean="0">
+              <a:solidFill>
+                <a:schemeClr val="tx1"/>
+              </a:solidFill>
+            </a:rPr>
+            <a:t>Build an API for model consumption</a:t>
+          </a:r>
+          <a:endParaRPr lang="en-US" sz="1500" kern="1200" dirty="0">
+            <a:solidFill>
+              <a:schemeClr val="tx1"/>
+            </a:solidFill>
+          </a:endParaRPr>
+        </a:p>
       </dsp:txBody>
       <dsp:txXfrm>
-        <a:off x="2296216" y="3674322"/>
-        <a:ext cx="8666372" cy="1614934"/>
+        <a:off x="2291696" y="3514171"/>
+        <a:ext cx="8670892" cy="1775047"/>
       </dsp:txXfrm>
     </dsp:sp>
     <dsp:sp modelId="{6BBE396A-6276-4C8A-AC22-1345451C4D50}">
@@ -2685,8 +2810,8 @@
       </dsp:nvSpPr>
       <dsp:spPr>
         <a:xfrm>
-          <a:off x="194458" y="4067056"/>
-          <a:ext cx="1188717" cy="846573"/>
+          <a:off x="189938" y="4005038"/>
+          <a:ext cx="1188717" cy="809673"/>
         </a:xfrm>
         <a:prstGeom prst="roundRect">
           <a:avLst>
@@ -4102,7 +4227,7 @@
           <a:p>
             <a:fld id="{7F2EA6A2-A9AE-4DBE-825A-BE543A5D3C32}" type="datetimeFigureOut">
               <a:rPr lang="en-US" smtClean="0"/>
-              <a:t>1/18/2024</a:t>
+              <a:t>1/19/2024</a:t>
             </a:fld>
             <a:endParaRPr lang="en-US"/>
           </a:p>
@@ -4272,7 +4397,7 @@
           <a:p>
             <a:fld id="{7F2EA6A2-A9AE-4DBE-825A-BE543A5D3C32}" type="datetimeFigureOut">
               <a:rPr lang="en-US" smtClean="0"/>
-              <a:t>1/18/2024</a:t>
+              <a:t>1/19/2024</a:t>
             </a:fld>
             <a:endParaRPr lang="en-US"/>
           </a:p>
@@ -4452,7 +4577,7 @@
           <a:p>
             <a:fld id="{7F2EA6A2-A9AE-4DBE-825A-BE543A5D3C32}" type="datetimeFigureOut">
               <a:rPr lang="en-US" smtClean="0"/>
-              <a:t>1/18/2024</a:t>
+              <a:t>1/19/2024</a:t>
             </a:fld>
             <a:endParaRPr lang="en-US"/>
           </a:p>
@@ -4622,7 +4747,7 @@
           <a:p>
             <a:fld id="{7F2EA6A2-A9AE-4DBE-825A-BE543A5D3C32}" type="datetimeFigureOut">
               <a:rPr lang="en-US" smtClean="0"/>
-              <a:t>1/18/2024</a:t>
+              <a:t>1/19/2024</a:t>
             </a:fld>
             <a:endParaRPr lang="en-US"/>
           </a:p>
@@ -4868,7 +4993,7 @@
           <a:p>
             <a:fld id="{7F2EA6A2-A9AE-4DBE-825A-BE543A5D3C32}" type="datetimeFigureOut">
               <a:rPr lang="en-US" smtClean="0"/>
-              <a:t>1/18/2024</a:t>
+              <a:t>1/19/2024</a:t>
             </a:fld>
             <a:endParaRPr lang="en-US"/>
           </a:p>
@@ -5100,7 +5225,7 @@
           <a:p>
             <a:fld id="{7F2EA6A2-A9AE-4DBE-825A-BE543A5D3C32}" type="datetimeFigureOut">
               <a:rPr lang="en-US" smtClean="0"/>
-              <a:t>1/18/2024</a:t>
+              <a:t>1/19/2024</a:t>
             </a:fld>
             <a:endParaRPr lang="en-US"/>
           </a:p>
@@ -5467,7 +5592,7 @@
           <a:p>
             <a:fld id="{7F2EA6A2-A9AE-4DBE-825A-BE543A5D3C32}" type="datetimeFigureOut">
               <a:rPr lang="en-US" smtClean="0"/>
-              <a:t>1/18/2024</a:t>
+              <a:t>1/19/2024</a:t>
             </a:fld>
             <a:endParaRPr lang="en-US"/>
           </a:p>
@@ -5585,7 +5710,7 @@
           <a:p>
             <a:fld id="{7F2EA6A2-A9AE-4DBE-825A-BE543A5D3C32}" type="datetimeFigureOut">
               <a:rPr lang="en-US" smtClean="0"/>
-              <a:t>1/18/2024</a:t>
+              <a:t>1/19/2024</a:t>
             </a:fld>
             <a:endParaRPr lang="en-US"/>
           </a:p>
@@ -5680,7 +5805,7 @@
           <a:p>
             <a:fld id="{7F2EA6A2-A9AE-4DBE-825A-BE543A5D3C32}" type="datetimeFigureOut">
               <a:rPr lang="en-US" smtClean="0"/>
-              <a:t>1/18/2024</a:t>
+              <a:t>1/19/2024</a:t>
             </a:fld>
             <a:endParaRPr lang="en-US"/>
           </a:p>
@@ -5957,7 +6082,7 @@
           <a:p>
             <a:fld id="{7F2EA6A2-A9AE-4DBE-825A-BE543A5D3C32}" type="datetimeFigureOut">
               <a:rPr lang="en-US" smtClean="0"/>
-              <a:t>1/18/2024</a:t>
+              <a:t>1/19/2024</a:t>
             </a:fld>
             <a:endParaRPr lang="en-US"/>
           </a:p>
@@ -6210,7 +6335,7 @@
           <a:p>
             <a:fld id="{7F2EA6A2-A9AE-4DBE-825A-BE543A5D3C32}" type="datetimeFigureOut">
               <a:rPr lang="en-US" smtClean="0"/>
-              <a:t>1/18/2024</a:t>
+              <a:t>1/19/2024</a:t>
             </a:fld>
             <a:endParaRPr lang="en-US"/>
           </a:p>
@@ -6423,7 +6548,7 @@
           <a:p>
             <a:fld id="{7F2EA6A2-A9AE-4DBE-825A-BE543A5D3C32}" type="datetimeFigureOut">
               <a:rPr lang="en-US" smtClean="0"/>
-              <a:t>1/18/2024</a:t>
+              <a:t>1/19/2024</a:t>
             </a:fld>
             <a:endParaRPr lang="en-US"/>
           </a:p>
@@ -7265,7 +7390,7 @@
           <p:nvPr>
             <p:extLst>
               <p:ext uri="{D42A27DB-BD31-4B8C-83A1-F6EECF244321}">
-                <p14:modId xmlns:p14="http://schemas.microsoft.com/office/powerpoint/2010/main" val="183166258"/>
+                <p14:modId xmlns:p14="http://schemas.microsoft.com/office/powerpoint/2010/main" val="1098524375"/>
               </p:ext>
             </p:extLst>
           </p:nvPr>
@@ -7810,14 +7935,41 @@
               <a:rPr lang="en-US" sz="1300" dirty="0">
                 <a:ln w="0"/>
               </a:rPr>
-              <a:t>for low quality is small and as this group is not the focus would be grouped with </a:t>
+              <a:t>for </a:t>
             </a:r>
             <a:r>
               <a:rPr lang="en-US" sz="1300" dirty="0" smtClean="0">
                 <a:ln w="0"/>
               </a:rPr>
-              <a:t>regular</a:t>
-            </a:r>
+              <a:t>‘low’ </a:t>
+            </a:r>
+            <a:r>
+              <a:rPr lang="en-US" sz="1300" dirty="0">
+                <a:ln w="0"/>
+              </a:rPr>
+              <a:t>quality is small and as this group is not the </a:t>
+            </a:r>
+            <a:r>
+              <a:rPr lang="en-US" sz="1300" dirty="0" smtClean="0">
+                <a:ln w="0"/>
+              </a:rPr>
+              <a:t>focus, it </a:t>
+            </a:r>
+            <a:r>
+              <a:rPr lang="en-US" sz="1300" dirty="0">
+                <a:ln w="0"/>
+              </a:rPr>
+              <a:t>would be grouped with </a:t>
+            </a:r>
+            <a:r>
+              <a:rPr lang="en-US" sz="1300" dirty="0" smtClean="0">
+                <a:ln w="0"/>
+              </a:rPr>
+              <a:t>‘regular’</a:t>
+            </a:r>
+            <a:endParaRPr lang="en-US" sz="1300" dirty="0" smtClean="0">
+              <a:ln w="0"/>
+            </a:endParaRPr>
           </a:p>
           <a:p>
             <a:pPr marL="285750" indent="-285750">
@@ -8701,8 +8853,8 @@
           </p:nvSpPr>
           <p:spPr>
             <a:xfrm>
-              <a:off x="218831" y="5078778"/>
-              <a:ext cx="11144250" cy="804340"/>
+              <a:off x="218831" y="4998865"/>
+              <a:ext cx="11144250" cy="1036705"/>
             </a:xfrm>
             <a:prstGeom prst="rect">
               <a:avLst/>
@@ -8722,7 +8874,34 @@
                 <a:rPr lang="en-US" sz="1300" dirty="0" smtClean="0">
                   <a:ln w="0"/>
                 </a:rPr>
-                <a:t>Alcohol, Sulphates, Volatile acidity and Citric acid are the most important components that determine a red wine rating. </a:t>
+                <a:t>Alcohol, Sulphates, Volatile acidity and Citric acid are the most important components that determine a red wine </a:t>
+              </a:r>
+              <a:r>
+                <a:rPr lang="en-US" sz="1300" dirty="0" smtClean="0">
+                  <a:ln w="0"/>
+                </a:rPr>
+                <a:t>rating</a:t>
+              </a:r>
+              <a:endParaRPr lang="en-US" sz="1300" dirty="0" smtClean="0">
+                <a:ln w="0"/>
+              </a:endParaRPr>
+            </a:p>
+            <a:p>
+              <a:pPr marL="285750" indent="-285750">
+                <a:buFont typeface="Arial" panose="020B0604020202020204" pitchFamily="34" charset="0"/>
+                <a:buChar char="•"/>
+              </a:pPr>
+              <a:r>
+                <a:rPr lang="en-US" sz="1300" dirty="0" smtClean="0">
+                  <a:ln w="0"/>
+                </a:rPr>
+                <a:t>Their total contribution is app. 60</a:t>
+              </a:r>
+              <a:r>
+                <a:rPr lang="en-US" sz="1300" dirty="0" smtClean="0">
+                  <a:ln w="0"/>
+                </a:rPr>
+                <a:t>%</a:t>
               </a:r>
             </a:p>
             <a:p>
@@ -8734,8 +8913,11 @@
                 <a:rPr lang="en-US" sz="1300" dirty="0" smtClean="0">
                   <a:ln w="0"/>
                 </a:rPr>
-                <a:t>Their total contribution is app. 60%  </a:t>
+                <a:t>The other features also have predictive power and adding value to the overall performance of the model  </a:t>
               </a:r>
+              <a:endParaRPr lang="en-US" sz="1300" dirty="0" smtClean="0">
+                <a:ln w="0"/>
+              </a:endParaRPr>
             </a:p>
             <a:p>
               <a:pPr marL="285750" indent="-285750">
@@ -8746,7 +8928,73 @@
                 <a:rPr lang="en-US" sz="1300" dirty="0" smtClean="0">
                   <a:ln w="0"/>
                 </a:rPr>
-                <a:t>From data exploratory the relations are – higher Alcohol, Sulphates and Citric Acid and lower Volatile acidity, the better can be associated with better scores</a:t>
+                <a:t>From data exploratory the relations are – </a:t>
+              </a:r>
+              <a:r>
+                <a:rPr lang="en-US" sz="1300" b="1" dirty="0" smtClean="0">
+                  <a:ln w="0"/>
+                </a:rPr>
+                <a:t>higher</a:t>
+              </a:r>
+              <a:r>
+                <a:rPr lang="en-US" sz="1300" dirty="0" smtClean="0">
+                  <a:ln w="0"/>
+                </a:rPr>
+                <a:t> </a:t>
+              </a:r>
+              <a:r>
+                <a:rPr lang="en-US" sz="1300" dirty="0" smtClean="0">
+                  <a:ln w="0"/>
+                </a:rPr>
+                <a:t>Alcohol, </a:t>
+              </a:r>
+              <a:r>
+                <a:rPr lang="en-US" sz="1300" dirty="0" smtClean="0">
+                  <a:ln w="0"/>
+                </a:rPr>
+                <a:t>Sulphates, Citric </a:t>
+              </a:r>
+              <a:r>
+                <a:rPr lang="en-US" sz="1300" dirty="0" smtClean="0">
+                  <a:ln w="0"/>
+                </a:rPr>
+                <a:t>Acid and </a:t>
+              </a:r>
+              <a:r>
+                <a:rPr lang="en-US" sz="1300" b="1" dirty="0" smtClean="0">
+                  <a:ln w="0"/>
+                </a:rPr>
+                <a:t>lower</a:t>
+              </a:r>
+              <a:r>
+                <a:rPr lang="en-US" sz="1300" dirty="0" smtClean="0">
+                  <a:ln w="0"/>
+                </a:rPr>
+                <a:t> </a:t>
+              </a:r>
+              <a:r>
+                <a:rPr lang="en-US" sz="1300" dirty="0" smtClean="0">
+                  <a:ln w="0"/>
+                </a:rPr>
+                <a:t>Volatile acidity, </a:t>
+              </a:r>
+              <a:r>
+                <a:rPr lang="en-US" sz="1300" dirty="0" smtClean="0">
+                  <a:ln w="0"/>
+                </a:rPr>
+                <a:t>can be associated </a:t>
+              </a:r>
+              <a:r>
+                <a:rPr lang="en-US" sz="1300" dirty="0" smtClean="0">
+                  <a:ln w="0"/>
+                </a:rPr>
+                <a:t>with </a:t>
+              </a:r>
+              <a:r>
+                <a:rPr lang="en-US" sz="1300" dirty="0" smtClean="0">
+                  <a:ln w="0"/>
+                </a:rPr>
+                <a:t>better scores</a:t>
               </a:r>
             </a:p>
           </p:txBody>
@@ -8891,7 +9139,55 @@
               <a:rPr lang="en-US" sz="1300" dirty="0" smtClean="0">
                 <a:ln w="0"/>
               </a:rPr>
-              <a:t>the cost of introducing a low quality wine in the assortment is high. Good precision would mean that is not likely that a wine marked as high quality would turn out to be regular/low quality. This would make even more sense if the goal is to add new wines in the assortment as the shelf space is limited and ideally it should be filled only with high quality wines</a:t>
+              <a:t>the cost of introducing a low quality wine in the assortment </a:t>
+            </a:r>
+            <a:r>
+              <a:rPr lang="en-US" sz="1300" dirty="0" smtClean="0">
+                <a:ln w="0"/>
+              </a:rPr>
+              <a:t>would be </a:t>
+            </a:r>
+            <a:r>
+              <a:rPr lang="en-US" sz="1300" dirty="0" smtClean="0">
+                <a:ln w="0"/>
+              </a:rPr>
+              <a:t>high. Good precision </a:t>
+            </a:r>
+            <a:r>
+              <a:rPr lang="en-US" sz="1300" dirty="0" smtClean="0">
+                <a:ln w="0"/>
+              </a:rPr>
+              <a:t>means </a:t>
+            </a:r>
+            <a:r>
+              <a:rPr lang="en-US" sz="1300" dirty="0" smtClean="0">
+                <a:ln w="0"/>
+              </a:rPr>
+              <a:t>that </a:t>
+            </a:r>
+            <a:r>
+              <a:rPr lang="en-US" sz="1300" dirty="0" smtClean="0">
+                <a:ln w="0"/>
+              </a:rPr>
+              <a:t>it’s </a:t>
+            </a:r>
+            <a:r>
+              <a:rPr lang="en-US" sz="1300" dirty="0" smtClean="0">
+                <a:ln w="0"/>
+              </a:rPr>
+              <a:t>not likely that a wine marked as </a:t>
+            </a:r>
+            <a:r>
+              <a:rPr lang="en-US" sz="1300" dirty="0" smtClean="0">
+                <a:ln w="0"/>
+              </a:rPr>
+              <a:t>‘high’ quality would turn out to be ‘regular/low’ quality. This would make even more sense if the goal is to add new wines in the assortment as the shelf space is limited and ideally it </a:t>
+            </a:r>
+            <a:r>
+              <a:rPr lang="en-US" sz="1300" dirty="0" smtClean="0">
+                <a:ln w="0"/>
+              </a:rPr>
+              <a:t>should be filled only with high quality wines</a:t>
             </a:r>
             <a:endParaRPr lang="en-US" sz="1300" dirty="0">
               <a:ln w="0"/>
@@ -9061,7 +9357,7 @@
                   <a:srgbClr val="C00000"/>
                 </a:solidFill>
               </a:rPr>
-              <a:t>Summary and Recommendations</a:t>
+              <a:t>Recommendations</a:t>
             </a:r>
             <a:endParaRPr lang="en-US" sz="3200" dirty="0">
               <a:solidFill>
@@ -9245,7 +9541,19 @@
               <a:rPr lang="en-US" sz="1300" dirty="0" smtClean="0">
                 <a:ln w="0"/>
               </a:rPr>
-              <a:t>forward as it provides highly precise method to identify high quality red wines</a:t>
+              <a:t>forward as it provides </a:t>
+            </a:r>
+            <a:r>
+              <a:rPr lang="en-US" sz="1300" dirty="0" smtClean="0">
+                <a:ln w="0"/>
+              </a:rPr>
+              <a:t>very </a:t>
+            </a:r>
+            <a:r>
+              <a:rPr lang="en-US" sz="1300" dirty="0" smtClean="0">
+                <a:ln w="0"/>
+              </a:rPr>
+              <a:t>precise method to identify high quality red wines</a:t>
             </a:r>
             <a:endParaRPr lang="en-US" sz="1300" dirty="0">
               <a:ln w="0"/>
@@ -9260,8 +9568,17 @@
               <a:rPr lang="en-US" sz="1300" dirty="0">
                 <a:ln w="0"/>
               </a:rPr>
-              <a:t>Option 2 can be used in case there are challenges with implementing Option 1 (e.g. difficulties with data collection)</a:t>
-            </a:r>
+              <a:t>Option 2 can be used in case there are challenges with implementing Option 1 (e.g. difficulties with data </a:t>
+            </a:r>
+            <a:r>
+              <a:rPr lang="en-US" sz="1300" dirty="0" smtClean="0">
+                <a:ln w="0"/>
+              </a:rPr>
+              <a:t>collection, challenges with deployment…)</a:t>
+            </a:r>
+            <a:endParaRPr lang="en-US" sz="1300" dirty="0">
+              <a:ln w="0"/>
+            </a:endParaRPr>
           </a:p>
         </p:txBody>
       </p:sp>
@@ -9328,13 +9645,25 @@
               <a:rPr lang="en-US" sz="1300" dirty="0">
                 <a:ln w="0"/>
               </a:rPr>
-              <a:t>) can further </a:t>
+              <a:t>) </a:t>
             </a:r>
             <a:r>
               <a:rPr lang="en-US" sz="1300" dirty="0" smtClean="0">
                 <a:ln w="0"/>
               </a:rPr>
-              <a:t>be tuned </a:t>
+              <a:t>can be </a:t>
+            </a:r>
+            <a:r>
+              <a:rPr lang="en-US" sz="1300" dirty="0">
+                <a:ln w="0"/>
+              </a:rPr>
+              <a:t>further </a:t>
+            </a:r>
+            <a:r>
+              <a:rPr lang="en-US" sz="1300" dirty="0" smtClean="0">
+                <a:ln w="0"/>
+              </a:rPr>
+              <a:t>tuned </a:t>
             </a:r>
             <a:r>
               <a:rPr lang="en-US" sz="1300" dirty="0">
@@ -9412,7 +9741,19 @@
               <a:rPr lang="en-US" sz="1300" dirty="0" smtClean="0">
                 <a:ln w="0"/>
               </a:rPr>
-              <a:t> (P:0.8, R:0.6)to reduce the change of omitting high quality wines that are already in the assortment.</a:t>
+              <a:t> (P:0.8, R:0.6</a:t>
+            </a:r>
+            <a:r>
+              <a:rPr lang="en-US" sz="1300" dirty="0" smtClean="0">
+                <a:ln w="0"/>
+              </a:rPr>
+              <a:t>) to </a:t>
+            </a:r>
+            <a:r>
+              <a:rPr lang="en-US" sz="1300" dirty="0" smtClean="0">
+                <a:ln w="0"/>
+              </a:rPr>
+              <a:t>reduce the change of omitting high quality wines that are already in the assortment.</a:t>
             </a:r>
             <a:endParaRPr lang="en-US" sz="1300" dirty="0">
               <a:ln w="0"/>
@@ -9604,7 +9945,52 @@
                   <a:srgbClr val="C00000"/>
                 </a:solidFill>
               </a:rPr>
-              <a:t>Option 1: Automated ML model to label red wines. Model would be exposed with API</a:t>
+              <a:t>Option 1: </a:t>
+            </a:r>
+            <a:r>
+              <a:rPr lang="en-US" sz="1800" dirty="0" smtClean="0">
+                <a:ln w="0"/>
+                <a:solidFill>
+                  <a:srgbClr val="C00000"/>
+                </a:solidFill>
+              </a:rPr>
+              <a:t>Fully automated </a:t>
+            </a:r>
+            <a:r>
+              <a:rPr lang="en-US" sz="1800" dirty="0" smtClean="0">
+                <a:ln w="0"/>
+                <a:solidFill>
+                  <a:srgbClr val="C00000"/>
+                </a:solidFill>
+              </a:rPr>
+              <a:t>ML model to label red wines. Model </a:t>
+            </a:r>
+            <a:r>
+              <a:rPr lang="en-US" sz="1800" dirty="0" smtClean="0">
+                <a:ln w="0"/>
+                <a:solidFill>
+                  <a:srgbClr val="C00000"/>
+                </a:solidFill>
+              </a:rPr>
+              <a:t>is </a:t>
+            </a:r>
+            <a:r>
+              <a:rPr lang="en-US" sz="1800" dirty="0" smtClean="0">
+                <a:ln w="0"/>
+                <a:solidFill>
+                  <a:srgbClr val="C00000"/>
+                </a:solidFill>
+              </a:rPr>
+              <a:t>exposed with </a:t>
+            </a:r>
+            <a:r>
+              <a:rPr lang="en-US" sz="1800" dirty="0" smtClean="0">
+                <a:ln w="0"/>
+                <a:solidFill>
+                  <a:srgbClr val="C00000"/>
+                </a:solidFill>
+              </a:rPr>
+              <a:t>an API</a:t>
             </a:r>
             <a:endParaRPr lang="en-US" sz="1800" dirty="0">
               <a:ln w="0"/>
